--- a/Project Documentation/Cloud Box_ppt.pptx
+++ b/Project Documentation/Cloud Box_ppt.pptx
@@ -121,6 +121,22 @@
       </a:defRPr>
     </a:lvl9pPr>
   </p:defaultTextStyle>
+  <p:extLst>
+    <p:ext uri="{EFAFB233-063F-42B5-8137-9DF3F51BA10A}">
+      <p15:sldGuideLst xmlns:p15="http://schemas.microsoft.com/office/powerpoint/2012/main">
+        <p15:guide id="1" orient="horz" pos="2160">
+          <p15:clr>
+            <a:srgbClr val="A4A3A4"/>
+          </p15:clr>
+        </p15:guide>
+        <p15:guide id="2" pos="2880">
+          <p15:clr>
+            <a:srgbClr val="A4A3A4"/>
+          </p15:clr>
+        </p15:guide>
+      </p15:sldGuideLst>
+    </p:ext>
+  </p:extLst>
 </p:presentation>
 </file>
 
@@ -183,37 +199,37 @@
               <c:formatCode>#,##0_ "hrs"</c:formatCode>
               <c:ptCount val="11"/>
               <c:pt idx="0">
-                <c:v>0.0</c:v>
+                <c:v>0</c:v>
               </c:pt>
               <c:pt idx="1">
-                <c:v>0.0</c:v>
+                <c:v>0</c:v>
               </c:pt>
               <c:pt idx="2">
-                <c:v>124.0</c:v>
+                <c:v>124</c:v>
               </c:pt>
               <c:pt idx="3">
-                <c:v>120.0</c:v>
+                <c:v>120</c:v>
               </c:pt>
               <c:pt idx="4">
-                <c:v>0.0</c:v>
+                <c:v>0</c:v>
               </c:pt>
               <c:pt idx="5">
-                <c:v>0.0</c:v>
+                <c:v>0</c:v>
               </c:pt>
               <c:pt idx="6">
-                <c:v>0.0</c:v>
+                <c:v>0</c:v>
               </c:pt>
               <c:pt idx="7">
-                <c:v>0.0</c:v>
+                <c:v>0</c:v>
               </c:pt>
               <c:pt idx="8">
-                <c:v>0.0</c:v>
+                <c:v>0</c:v>
               </c:pt>
               <c:pt idx="9">
-                <c:v>32.0</c:v>
+                <c:v>32</c:v>
               </c:pt>
               <c:pt idx="10">
-                <c:v>16.0</c:v>
+                <c:v>16</c:v>
               </c:pt>
             </c:numLit>
           </c:val>
@@ -256,37 +272,37 @@
               <c:formatCode>#,##0_ "hrs"</c:formatCode>
               <c:ptCount val="11"/>
               <c:pt idx="0">
-                <c:v>0.0</c:v>
+                <c:v>0</c:v>
               </c:pt>
               <c:pt idx="1">
-                <c:v>0.0</c:v>
+                <c:v>0</c:v>
               </c:pt>
               <c:pt idx="2">
-                <c:v>288.6333333333334</c:v>
+                <c:v>288.63333333333338</c:v>
               </c:pt>
               <c:pt idx="3">
-                <c:v>265.6333333333334</c:v>
+                <c:v>265.63333333333338</c:v>
               </c:pt>
               <c:pt idx="4">
-                <c:v>0.0</c:v>
+                <c:v>0</c:v>
               </c:pt>
               <c:pt idx="5">
-                <c:v>0.0</c:v>
+                <c:v>0</c:v>
               </c:pt>
               <c:pt idx="6">
-                <c:v>0.0</c:v>
+                <c:v>0</c:v>
               </c:pt>
               <c:pt idx="7">
-                <c:v>0.0</c:v>
+                <c:v>0</c:v>
               </c:pt>
               <c:pt idx="8">
-                <c:v>0.0</c:v>
+                <c:v>0</c:v>
               </c:pt>
               <c:pt idx="9">
-                <c:v>276.6333333333334</c:v>
+                <c:v>276.63333333333338</c:v>
               </c:pt>
               <c:pt idx="10">
-                <c:v>292.6333333333334</c:v>
+                <c:v>292.63333333333338</c:v>
               </c:pt>
             </c:numLit>
           </c:val>
@@ -301,8 +317,8 @@
         </c:dLbls>
         <c:gapWidth val="219"/>
         <c:overlap val="100"/>
-        <c:axId val="-2118297016"/>
-        <c:axId val="-2118293816"/>
+        <c:axId val="-997723104"/>
+        <c:axId val="-410767952"/>
       </c:barChart>
       <c:lineChart>
         <c:grouping val="standard"/>
@@ -359,37 +375,37 @@
               <c:formatCode>#,##0_ "hrs"</c:formatCode>
               <c:ptCount val="11"/>
               <c:pt idx="0">
-                <c:v>0.0</c:v>
+                <c:v>0</c:v>
               </c:pt>
               <c:pt idx="1">
-                <c:v>0.0</c:v>
+                <c:v>0</c:v>
               </c:pt>
               <c:pt idx="2">
-                <c:v>0.0</c:v>
+                <c:v>0</c:v>
               </c:pt>
               <c:pt idx="3">
-                <c:v>0.0</c:v>
+                <c:v>0</c:v>
               </c:pt>
               <c:pt idx="4">
-                <c:v>0.0</c:v>
+                <c:v>0</c:v>
               </c:pt>
               <c:pt idx="5">
-                <c:v>0.0</c:v>
+                <c:v>0</c:v>
               </c:pt>
               <c:pt idx="6">
-                <c:v>0.0</c:v>
+                <c:v>0</c:v>
               </c:pt>
               <c:pt idx="7">
-                <c:v>0.0</c:v>
+                <c:v>0</c:v>
               </c:pt>
               <c:pt idx="8">
-                <c:v>0.0</c:v>
+                <c:v>0</c:v>
               </c:pt>
               <c:pt idx="9">
-                <c:v>0.0</c:v>
+                <c:v>0</c:v>
               </c:pt>
               <c:pt idx="10">
-                <c:v>0.0</c:v>
+                <c:v>0</c:v>
               </c:pt>
             </c:numLit>
           </c:val>
@@ -405,11 +421,11 @@
         </c:dLbls>
         <c:marker val="1"/>
         <c:smooth val="0"/>
-        <c:axId val="-2118297016"/>
-        <c:axId val="-2118293816"/>
+        <c:axId val="-997723104"/>
+        <c:axId val="-410767952"/>
       </c:lineChart>
       <c:catAx>
-        <c:axId val="-2118297016"/>
+        <c:axId val="-997723104"/>
         <c:scaling>
           <c:orientation val="minMax"/>
         </c:scaling>
@@ -452,7 +468,7 @@
             <a:endParaRPr lang="en-US"/>
           </a:p>
         </c:txPr>
-        <c:crossAx val="-2118293816"/>
+        <c:crossAx val="-410767952"/>
         <c:crosses val="autoZero"/>
         <c:auto val="1"/>
         <c:lblAlgn val="ctr"/>
@@ -460,7 +476,7 @@
         <c:noMultiLvlLbl val="0"/>
       </c:catAx>
       <c:valAx>
-        <c:axId val="-2118293816"/>
+        <c:axId val="-410767952"/>
         <c:scaling>
           <c:orientation val="minMax"/>
         </c:scaling>
@@ -511,7 +527,7 @@
             <a:endParaRPr lang="en-US"/>
           </a:p>
         </c:txPr>
-        <c:crossAx val="-2118297016"/>
+        <c:crossAx val="-997723104"/>
         <c:crosses val="autoZero"/>
         <c:crossBetween val="between"/>
       </c:valAx>
@@ -673,7 +689,7 @@
           <a:p>
             <a:fld id="{95BF0C08-FCD6-43F3-82F6-83D8E9FE6A7C}" type="datetimeFigureOut">
               <a:rPr lang="en-US" smtClean="0"/>
-              <a:t>2014-07-09</a:t>
+              <a:t>7/9/2014</a:t>
             </a:fld>
             <a:endParaRPr lang="en-US"/>
           </a:p>
@@ -1454,7 +1470,7 @@
   <p:timing>
     <p:tnLst>
       <p:par>
-        <p:cTn xmlns:p14="http://schemas.microsoft.com/office/powerpoint/2010/main" id="1" dur="indefinite" restart="never" nodeType="tmRoot"/>
+        <p:cTn id="1" dur="indefinite" restart="never" nodeType="tmRoot"/>
       </p:par>
     </p:tnLst>
   </p:timing>
@@ -1631,7 +1647,7 @@
   <p:timing>
     <p:tnLst>
       <p:par>
-        <p:cTn xmlns:p14="http://schemas.microsoft.com/office/powerpoint/2010/main" id="1" dur="indefinite" restart="never" nodeType="tmRoot"/>
+        <p:cTn id="1" dur="indefinite" restart="never" nodeType="tmRoot"/>
       </p:par>
     </p:tnLst>
   </p:timing>
@@ -1818,7 +1834,7 @@
   <p:timing>
     <p:tnLst>
       <p:par>
-        <p:cTn xmlns:p14="http://schemas.microsoft.com/office/powerpoint/2010/main" id="1" dur="indefinite" restart="never" nodeType="tmRoot"/>
+        <p:cTn id="1" dur="indefinite" restart="never" nodeType="tmRoot"/>
       </p:par>
     </p:tnLst>
   </p:timing>
@@ -1995,7 +2011,7 @@
   <p:timing>
     <p:tnLst>
       <p:par>
-        <p:cTn xmlns:p14="http://schemas.microsoft.com/office/powerpoint/2010/main" id="1" dur="indefinite" restart="never" nodeType="tmRoot"/>
+        <p:cTn id="1" dur="indefinite" restart="never" nodeType="tmRoot"/>
       </p:par>
     </p:tnLst>
   </p:timing>
@@ -2511,7 +2527,7 @@
   <p:timing>
     <p:tnLst>
       <p:par>
-        <p:cTn xmlns:p14="http://schemas.microsoft.com/office/powerpoint/2010/main" id="1" dur="indefinite" restart="never" nodeType="tmRoot"/>
+        <p:cTn id="1" dur="indefinite" restart="never" nodeType="tmRoot"/>
       </p:par>
     </p:tnLst>
   </p:timing>
@@ -2745,7 +2761,7 @@
   <p:timing>
     <p:tnLst>
       <p:par>
-        <p:cTn xmlns:p14="http://schemas.microsoft.com/office/powerpoint/2010/main" id="1" dur="indefinite" restart="never" nodeType="tmRoot"/>
+        <p:cTn id="1" dur="indefinite" restart="never" nodeType="tmRoot"/>
       </p:par>
     </p:tnLst>
   </p:timing>
@@ -3236,7 +3252,7 @@
   <p:timing>
     <p:tnLst>
       <p:par>
-        <p:cTn xmlns:p14="http://schemas.microsoft.com/office/powerpoint/2010/main" id="1" dur="indefinite" restart="never" nodeType="tmRoot"/>
+        <p:cTn id="1" dur="indefinite" restart="never" nodeType="tmRoot"/>
       </p:par>
     </p:tnLst>
   </p:timing>
@@ -3356,7 +3372,7 @@
   <p:timing>
     <p:tnLst>
       <p:par>
-        <p:cTn xmlns:p14="http://schemas.microsoft.com/office/powerpoint/2010/main" id="1" dur="indefinite" restart="never" nodeType="tmRoot"/>
+        <p:cTn id="1" dur="indefinite" restart="never" nodeType="tmRoot"/>
       </p:par>
     </p:tnLst>
   </p:timing>
@@ -3453,7 +3469,7 @@
   <p:timing>
     <p:tnLst>
       <p:par>
-        <p:cTn xmlns:p14="http://schemas.microsoft.com/office/powerpoint/2010/main" id="1" dur="indefinite" restart="never" nodeType="tmRoot"/>
+        <p:cTn id="1" dur="indefinite" restart="never" nodeType="tmRoot"/>
       </p:par>
     </p:tnLst>
   </p:timing>
@@ -3737,7 +3753,7 @@
   <p:timing>
     <p:tnLst>
       <p:par>
-        <p:cTn xmlns:p14="http://schemas.microsoft.com/office/powerpoint/2010/main" id="1" dur="indefinite" restart="never" nodeType="tmRoot"/>
+        <p:cTn id="1" dur="indefinite" restart="never" nodeType="tmRoot"/>
       </p:par>
     </p:tnLst>
   </p:timing>
@@ -4293,7 +4309,7 @@
   <p:timing>
     <p:tnLst>
       <p:par>
-        <p:cTn xmlns:p14="http://schemas.microsoft.com/office/powerpoint/2010/main" id="1" dur="indefinite" restart="never" nodeType="tmRoot"/>
+        <p:cTn id="1" dur="indefinite" restart="never" nodeType="tmRoot"/>
       </p:par>
     </p:tnLst>
   </p:timing>
@@ -4828,7 +4844,7 @@
   <p:timing>
     <p:tnLst>
       <p:par>
-        <p:cTn xmlns:p14="http://schemas.microsoft.com/office/powerpoint/2010/main" id="1" dur="indefinite" restart="never" nodeType="tmRoot"/>
+        <p:cTn id="1" dur="indefinite" restart="never" nodeType="tmRoot"/>
       </p:par>
     </p:tnLst>
   </p:timing>
@@ -5571,7 +5587,7 @@
   <p:timing>
     <p:tnLst>
       <p:par>
-        <p:cTn xmlns:p14="http://schemas.microsoft.com/office/powerpoint/2010/main" id="1" dur="indefinite" restart="never" nodeType="tmRoot"/>
+        <p:cTn id="1" dur="indefinite" restart="never" nodeType="tmRoot"/>
       </p:par>
     </p:tnLst>
   </p:timing>
@@ -5808,14 +5824,14 @@
             </a:ln>
             <a:extLst>
               <a:ext uri="{909E8E84-426E-40dd-AFC4-6F175D3DCCD1}">
-                <a14:hiddenFill xmlns:a14="http://schemas.microsoft.com/office/drawing/2010/main">
+                <a14:hiddenFill xmlns="" xmlns:a14="http://schemas.microsoft.com/office/drawing/2010/main">
                   <a:solidFill>
                     <a:schemeClr val="accent1"/>
                   </a:solidFill>
                 </a14:hiddenFill>
               </a:ext>
               <a:ext uri="{91240B29-F687-4f45-9708-019B960494DF}">
-                <a14:hiddenLine xmlns:a14="http://schemas.microsoft.com/office/drawing/2010/main" w="9525">
+                <a14:hiddenLine xmlns="" xmlns:a14="http://schemas.microsoft.com/office/drawing/2010/main" w="9525">
                   <a:solidFill>
                     <a:schemeClr val="tx1"/>
                   </a:solidFill>
@@ -5841,7 +5857,7 @@
   <p:timing>
     <p:tnLst>
       <p:par>
-        <p:cTn xmlns:p14="http://schemas.microsoft.com/office/powerpoint/2010/main" id="1" dur="indefinite" restart="never" nodeType="tmRoot"/>
+        <p:cTn id="1" dur="indefinite" restart="never" nodeType="tmRoot"/>
       </p:par>
     </p:tnLst>
   </p:timing>
@@ -6078,14 +6094,14 @@
             </a:ln>
             <a:extLst>
               <a:ext uri="{909E8E84-426E-40dd-AFC4-6F175D3DCCD1}">
-                <a14:hiddenFill xmlns:a14="http://schemas.microsoft.com/office/drawing/2010/main">
+                <a14:hiddenFill xmlns="" xmlns:a14="http://schemas.microsoft.com/office/drawing/2010/main">
                   <a:solidFill>
                     <a:schemeClr val="accent1"/>
                   </a:solidFill>
                 </a14:hiddenFill>
               </a:ext>
               <a:ext uri="{91240B29-F687-4f45-9708-019B960494DF}">
-                <a14:hiddenLine xmlns:a14="http://schemas.microsoft.com/office/drawing/2010/main" w="9525">
+                <a14:hiddenLine xmlns="" xmlns:a14="http://schemas.microsoft.com/office/drawing/2010/main" w="9525">
                   <a:solidFill>
                     <a:schemeClr val="tx1"/>
                   </a:solidFill>
@@ -6111,7 +6127,7 @@
   <p:timing>
     <p:tnLst>
       <p:par>
-        <p:cTn xmlns:p14="http://schemas.microsoft.com/office/powerpoint/2010/main" id="1" dur="indefinite" restart="never" nodeType="tmRoot"/>
+        <p:cTn id="1" dur="indefinite" restart="never" nodeType="tmRoot"/>
       </p:par>
     </p:tnLst>
   </p:timing>
@@ -6236,8 +6252,9 @@
             </a:pPr>
             <a:r>
               <a:rPr lang="en-CA" dirty="0" smtClean="0"/>
-              <a:t>Visual Studio</a:t>
-            </a:r>
+              <a:t>Eclipse for Java</a:t>
+            </a:r>
+            <a:endParaRPr lang="en-CA" dirty="0" smtClean="0"/>
           </a:p>
           <a:p>
             <a:pPr>
@@ -6424,14 +6441,14 @@
             </a:ln>
             <a:extLst>
               <a:ext uri="{909E8E84-426E-40dd-AFC4-6F175D3DCCD1}">
-                <a14:hiddenFill xmlns:a14="http://schemas.microsoft.com/office/drawing/2010/main">
+                <a14:hiddenFill xmlns="" xmlns:a14="http://schemas.microsoft.com/office/drawing/2010/main">
                   <a:solidFill>
                     <a:schemeClr val="accent1"/>
                   </a:solidFill>
                 </a14:hiddenFill>
               </a:ext>
               <a:ext uri="{91240B29-F687-4f45-9708-019B960494DF}">
-                <a14:hiddenLine xmlns:a14="http://schemas.microsoft.com/office/drawing/2010/main" w="9525">
+                <a14:hiddenLine xmlns="" xmlns:a14="http://schemas.microsoft.com/office/drawing/2010/main" w="9525">
                   <a:solidFill>
                     <a:schemeClr val="tx1"/>
                   </a:solidFill>
@@ -6457,7 +6474,7 @@
   <p:timing>
     <p:tnLst>
       <p:par>
-        <p:cTn xmlns:p14="http://schemas.microsoft.com/office/powerpoint/2010/main" id="1" dur="indefinite" restart="never" nodeType="tmRoot"/>
+        <p:cTn id="1" dur="indefinite" restart="never" nodeType="tmRoot"/>
       </p:par>
     </p:tnLst>
   </p:timing>
@@ -6589,14 +6606,14 @@
             </a:ln>
             <a:extLst>
               <a:ext uri="{909E8E84-426E-40dd-AFC4-6F175D3DCCD1}">
-                <a14:hiddenFill xmlns:a14="http://schemas.microsoft.com/office/drawing/2010/main">
+                <a14:hiddenFill xmlns="" xmlns:a14="http://schemas.microsoft.com/office/drawing/2010/main">
                   <a:solidFill>
                     <a:schemeClr val="accent1"/>
                   </a:solidFill>
                 </a14:hiddenFill>
               </a:ext>
               <a:ext uri="{91240B29-F687-4f45-9708-019B960494DF}">
-                <a14:hiddenLine xmlns:a14="http://schemas.microsoft.com/office/drawing/2010/main" w="9525">
+                <a14:hiddenLine xmlns="" xmlns:a14="http://schemas.microsoft.com/office/drawing/2010/main" w="9525">
                   <a:solidFill>
                     <a:schemeClr val="tx1"/>
                   </a:solidFill>
@@ -6641,14 +6658,14 @@
             </a:ln>
             <a:extLst>
               <a:ext uri="{909E8E84-426E-40dd-AFC4-6F175D3DCCD1}">
-                <a14:hiddenFill xmlns:a14="http://schemas.microsoft.com/office/drawing/2010/main">
+                <a14:hiddenFill xmlns="" xmlns:a14="http://schemas.microsoft.com/office/drawing/2010/main">
                   <a:solidFill>
                     <a:schemeClr val="accent1"/>
                   </a:solidFill>
                 </a14:hiddenFill>
               </a:ext>
               <a:ext uri="{91240B29-F687-4f45-9708-019B960494DF}">
-                <a14:hiddenLine xmlns:a14="http://schemas.microsoft.com/office/drawing/2010/main" w="9525">
+                <a14:hiddenLine xmlns="" xmlns:a14="http://schemas.microsoft.com/office/drawing/2010/main" w="9525">
                   <a:solidFill>
                     <a:schemeClr val="tx1"/>
                   </a:solidFill>
@@ -6784,14 +6801,14 @@
             </a:ln>
             <a:extLst>
               <a:ext uri="{909E8E84-426E-40dd-AFC4-6F175D3DCCD1}">
-                <a14:hiddenFill xmlns:a14="http://schemas.microsoft.com/office/drawing/2010/main">
+                <a14:hiddenFill xmlns="" xmlns:a14="http://schemas.microsoft.com/office/drawing/2010/main">
                   <a:solidFill>
                     <a:schemeClr val="accent1"/>
                   </a:solidFill>
                 </a14:hiddenFill>
               </a:ext>
               <a:ext uri="{91240B29-F687-4f45-9708-019B960494DF}">
-                <a14:hiddenLine xmlns:a14="http://schemas.microsoft.com/office/drawing/2010/main" w="9525">
+                <a14:hiddenLine xmlns="" xmlns:a14="http://schemas.microsoft.com/office/drawing/2010/main" w="9525">
                   <a:solidFill>
                     <a:schemeClr val="tx1"/>
                   </a:solidFill>
@@ -6817,7 +6834,7 @@
   <p:timing>
     <p:tnLst>
       <p:par>
-        <p:cTn xmlns:p14="http://schemas.microsoft.com/office/powerpoint/2010/main" id="1" dur="indefinite" restart="never" nodeType="tmRoot"/>
+        <p:cTn id="1" dur="indefinite" restart="never" nodeType="tmRoot"/>
       </p:par>
     </p:tnLst>
   </p:timing>
@@ -6938,7 +6955,7 @@
         </p:nvGraphicFramePr>
         <p:xfrm>
           <a:off x="5010727" y="1286593"/>
-          <a:ext cx="4025769" cy="3983583"/>
+          <a:ext cx="4025769" cy="3983676"/>
         </p:xfrm>
         <a:graphic>
           <a:graphicData uri="http://schemas.openxmlformats.org/drawingml/2006/table">
@@ -8324,14 +8341,14 @@
           <a:effectLst/>
           <a:extLst>
             <a:ext uri="{909E8E84-426E-40dd-AFC4-6F175D3DCCD1}">
-              <a14:hiddenFill xmlns:a14="http://schemas.microsoft.com/office/drawing/2010/main">
+              <a14:hiddenFill xmlns="" xmlns:a14="http://schemas.microsoft.com/office/drawing/2010/main">
                 <a:solidFill>
                   <a:schemeClr val="accent1"/>
                 </a:solidFill>
               </a14:hiddenFill>
             </a:ext>
             <a:ext uri="{91240B29-F687-4f45-9708-019B960494DF}">
-              <a14:hiddenLine xmlns:a14="http://schemas.microsoft.com/office/drawing/2010/main" w="9525">
+              <a14:hiddenLine xmlns="" xmlns:a14="http://schemas.microsoft.com/office/drawing/2010/main" w="9525">
                 <a:solidFill>
                   <a:schemeClr val="tx1"/>
                 </a:solidFill>
@@ -8341,7 +8358,7 @@
               </a14:hiddenLine>
             </a:ext>
             <a:ext uri="{AF507438-7753-43e0-B8FC-AC1667EBCBE1}">
-              <a14:hiddenEffects xmlns:a14="http://schemas.microsoft.com/office/drawing/2010/main">
+              <a14:hiddenEffects xmlns="" xmlns:a14="http://schemas.microsoft.com/office/drawing/2010/main">
                 <a:effectLst>
                   <a:outerShdw dist="35921" dir="2700000" algn="ctr" rotWithShape="0">
                     <a:schemeClr val="bg2"/>
@@ -8513,14 +8530,14 @@
             </a:ln>
             <a:extLst>
               <a:ext uri="{909E8E84-426E-40dd-AFC4-6F175D3DCCD1}">
-                <a14:hiddenFill xmlns:a14="http://schemas.microsoft.com/office/drawing/2010/main">
+                <a14:hiddenFill xmlns="" xmlns:a14="http://schemas.microsoft.com/office/drawing/2010/main">
                   <a:solidFill>
                     <a:schemeClr val="accent1"/>
                   </a:solidFill>
                 </a14:hiddenFill>
               </a:ext>
               <a:ext uri="{91240B29-F687-4f45-9708-019B960494DF}">
-                <a14:hiddenLine xmlns:a14="http://schemas.microsoft.com/office/drawing/2010/main" w="9525">
+                <a14:hiddenLine xmlns="" xmlns:a14="http://schemas.microsoft.com/office/drawing/2010/main" w="9525">
                   <a:solidFill>
                     <a:schemeClr val="tx1"/>
                   </a:solidFill>
@@ -8546,7 +8563,7 @@
   <p:timing>
     <p:tnLst>
       <p:par>
-        <p:cTn xmlns:p14="http://schemas.microsoft.com/office/powerpoint/2010/main" id="1" dur="indefinite" restart="never" nodeType="tmRoot"/>
+        <p:cTn id="1" dur="indefinite" restart="never" nodeType="tmRoot"/>
       </p:par>
     </p:tnLst>
   </p:timing>
@@ -8848,14 +8865,14 @@
             </a:ln>
             <a:extLst>
               <a:ext uri="{909E8E84-426E-40dd-AFC4-6F175D3DCCD1}">
-                <a14:hiddenFill xmlns:a14="http://schemas.microsoft.com/office/drawing/2010/main">
+                <a14:hiddenFill xmlns="" xmlns:a14="http://schemas.microsoft.com/office/drawing/2010/main">
                   <a:solidFill>
                     <a:schemeClr val="accent1"/>
                   </a:solidFill>
                 </a14:hiddenFill>
               </a:ext>
               <a:ext uri="{91240B29-F687-4f45-9708-019B960494DF}">
-                <a14:hiddenLine xmlns:a14="http://schemas.microsoft.com/office/drawing/2010/main" w="9525">
+                <a14:hiddenLine xmlns="" xmlns:a14="http://schemas.microsoft.com/office/drawing/2010/main" w="9525">
                   <a:solidFill>
                     <a:schemeClr val="tx1"/>
                   </a:solidFill>
@@ -8881,7 +8898,7 @@
   <p:timing>
     <p:tnLst>
       <p:par>
-        <p:cTn xmlns:p14="http://schemas.microsoft.com/office/powerpoint/2010/main" id="1" dur="indefinite" restart="never" nodeType="tmRoot"/>
+        <p:cTn id="1" dur="indefinite" restart="never" nodeType="tmRoot"/>
       </p:par>
     </p:tnLst>
   </p:timing>
@@ -8949,12 +8966,12 @@
         <p:spPr>
           <a:xfrm>
             <a:off x="1143000" y="1340768"/>
-            <a:ext cx="6400800" cy="3474720"/>
+            <a:ext cx="6400800" cy="3600400"/>
           </a:xfrm>
         </p:spPr>
         <p:txBody>
           <a:bodyPr>
-            <a:normAutofit lnSpcReduction="10000"/>
+            <a:normAutofit fontScale="92500" lnSpcReduction="20000"/>
           </a:bodyPr>
           <a:lstStyle/>
           <a:p>
@@ -9028,6 +9045,39 @@
               <a:rPr lang="en-CA" dirty="0" smtClean="0"/>
               <a:t>     Minimal response time</a:t>
             </a:r>
+          </a:p>
+          <a:p>
+            <a:r>
+              <a:rPr lang="en-CA" dirty="0" smtClean="0"/>
+              <a:t>Scalability</a:t>
+            </a:r>
+            <a:endParaRPr lang="en-CA" dirty="0"/>
+          </a:p>
+          <a:p>
+            <a:pPr marL="45720" indent="0">
+              <a:buNone/>
+            </a:pPr>
+            <a:r>
+              <a:rPr lang="en-CA" dirty="0"/>
+              <a:t>      </a:t>
+            </a:r>
+            <a:r>
+              <a:rPr lang="en-CA" dirty="0" smtClean="0"/>
+              <a:t>Increase the number of servers</a:t>
+            </a:r>
+            <a:endParaRPr lang="en-CA" dirty="0"/>
+          </a:p>
+          <a:p>
+            <a:pPr marL="45720" indent="0">
+              <a:buNone/>
+            </a:pPr>
+            <a:endParaRPr lang="en-CA" dirty="0" smtClean="0"/>
+          </a:p>
+          <a:p>
+            <a:pPr marL="45720" indent="0">
+              <a:buNone/>
+            </a:pPr>
+            <a:endParaRPr lang="en-CA" dirty="0" smtClean="0"/>
           </a:p>
           <a:p>
             <a:pPr marL="45720" indent="0">
@@ -9163,14 +9213,14 @@
             </a:ln>
             <a:extLst>
               <a:ext uri="{909E8E84-426E-40dd-AFC4-6F175D3DCCD1}">
-                <a14:hiddenFill xmlns:a14="http://schemas.microsoft.com/office/drawing/2010/main">
+                <a14:hiddenFill xmlns="" xmlns:a14="http://schemas.microsoft.com/office/drawing/2010/main">
                   <a:solidFill>
                     <a:schemeClr val="accent1"/>
                   </a:solidFill>
                 </a14:hiddenFill>
               </a:ext>
               <a:ext uri="{91240B29-F687-4f45-9708-019B960494DF}">
-                <a14:hiddenLine xmlns:a14="http://schemas.microsoft.com/office/drawing/2010/main" w="9525">
+                <a14:hiddenLine xmlns="" xmlns:a14="http://schemas.microsoft.com/office/drawing/2010/main" w="9525">
                   <a:solidFill>
                     <a:schemeClr val="tx1"/>
                   </a:solidFill>
@@ -9196,7 +9246,7 @@
   <p:timing>
     <p:tnLst>
       <p:par>
-        <p:cTn xmlns:p14="http://schemas.microsoft.com/office/powerpoint/2010/main" id="1" dur="indefinite" restart="never" nodeType="tmRoot"/>
+        <p:cTn id="1" dur="indefinite" restart="never" nodeType="tmRoot"/>
       </p:par>
     </p:tnLst>
   </p:timing>
@@ -9343,14 +9393,14 @@
           <a:effectLst/>
           <a:extLst>
             <a:ext uri="{909E8E84-426E-40dd-AFC4-6F175D3DCCD1}">
-              <a14:hiddenFill xmlns:a14="http://schemas.microsoft.com/office/drawing/2010/main">
+              <a14:hiddenFill xmlns="" xmlns:a14="http://schemas.microsoft.com/office/drawing/2010/main">
                 <a:solidFill>
                   <a:schemeClr val="accent1"/>
                 </a:solidFill>
               </a14:hiddenFill>
             </a:ext>
             <a:ext uri="{91240B29-F687-4f45-9708-019B960494DF}">
-              <a14:hiddenLine xmlns:a14="http://schemas.microsoft.com/office/drawing/2010/main" w="9525">
+              <a14:hiddenLine xmlns="" xmlns:a14="http://schemas.microsoft.com/office/drawing/2010/main" w="9525">
                 <a:solidFill>
                   <a:schemeClr val="tx1"/>
                 </a:solidFill>
@@ -9360,7 +9410,7 @@
               </a14:hiddenLine>
             </a:ext>
             <a:ext uri="{AF507438-7753-43e0-B8FC-AC1667EBCBE1}">
-              <a14:hiddenEffects xmlns:a14="http://schemas.microsoft.com/office/drawing/2010/main">
+              <a14:hiddenEffects xmlns="" xmlns:a14="http://schemas.microsoft.com/office/drawing/2010/main">
                 <a:effectLst>
                   <a:outerShdw dist="35921" dir="2700000" algn="ctr" rotWithShape="0">
                     <a:schemeClr val="bg2"/>
@@ -9494,14 +9544,14 @@
             </a:ln>
             <a:extLst>
               <a:ext uri="{909E8E84-426E-40dd-AFC4-6F175D3DCCD1}">
-                <a14:hiddenFill xmlns:a14="http://schemas.microsoft.com/office/drawing/2010/main">
+                <a14:hiddenFill xmlns="" xmlns:a14="http://schemas.microsoft.com/office/drawing/2010/main">
                   <a:solidFill>
                     <a:schemeClr val="accent1"/>
                   </a:solidFill>
                 </a14:hiddenFill>
               </a:ext>
               <a:ext uri="{91240B29-F687-4f45-9708-019B960494DF}">
-                <a14:hiddenLine xmlns:a14="http://schemas.microsoft.com/office/drawing/2010/main" w="9525">
+                <a14:hiddenLine xmlns="" xmlns:a14="http://schemas.microsoft.com/office/drawing/2010/main" w="9525">
                   <a:solidFill>
                     <a:schemeClr val="tx1"/>
                   </a:solidFill>
@@ -9527,7 +9577,7 @@
   <p:timing>
     <p:tnLst>
       <p:par>
-        <p:cTn xmlns:p14="http://schemas.microsoft.com/office/powerpoint/2010/main" id="1" dur="indefinite" restart="never" nodeType="tmRoot"/>
+        <p:cTn id="1" dur="indefinite" restart="never" nodeType="tmRoot"/>
       </p:par>
     </p:tnLst>
   </p:timing>
@@ -9687,14 +9737,14 @@
           <a:effectLst/>
           <a:extLst>
             <a:ext uri="{909E8E84-426E-40dd-AFC4-6F175D3DCCD1}">
-              <a14:hiddenFill xmlns:a14="http://schemas.microsoft.com/office/drawing/2010/main">
+              <a14:hiddenFill xmlns="" xmlns:a14="http://schemas.microsoft.com/office/drawing/2010/main">
                 <a:solidFill>
                   <a:schemeClr val="accent1"/>
                 </a:solidFill>
               </a14:hiddenFill>
             </a:ext>
             <a:ext uri="{91240B29-F687-4f45-9708-019B960494DF}">
-              <a14:hiddenLine xmlns:a14="http://schemas.microsoft.com/office/drawing/2010/main" w="9525">
+              <a14:hiddenLine xmlns="" xmlns:a14="http://schemas.microsoft.com/office/drawing/2010/main" w="9525">
                 <a:solidFill>
                   <a:schemeClr val="tx1"/>
                 </a:solidFill>
@@ -9704,7 +9754,7 @@
               </a14:hiddenLine>
             </a:ext>
             <a:ext uri="{AF507438-7753-43e0-B8FC-AC1667EBCBE1}">
-              <a14:hiddenEffects xmlns:a14="http://schemas.microsoft.com/office/drawing/2010/main">
+              <a14:hiddenEffects xmlns="" xmlns:a14="http://schemas.microsoft.com/office/drawing/2010/main">
                 <a:effectLst>
                   <a:outerShdw dist="35921" dir="2700000" algn="ctr" rotWithShape="0">
                     <a:schemeClr val="bg2"/>
@@ -9838,14 +9888,14 @@
             </a:ln>
             <a:extLst>
               <a:ext uri="{909E8E84-426E-40dd-AFC4-6F175D3DCCD1}">
-                <a14:hiddenFill xmlns:a14="http://schemas.microsoft.com/office/drawing/2010/main">
+                <a14:hiddenFill xmlns="" xmlns:a14="http://schemas.microsoft.com/office/drawing/2010/main">
                   <a:solidFill>
                     <a:schemeClr val="accent1"/>
                   </a:solidFill>
                 </a14:hiddenFill>
               </a:ext>
               <a:ext uri="{91240B29-F687-4f45-9708-019B960494DF}">
-                <a14:hiddenLine xmlns:a14="http://schemas.microsoft.com/office/drawing/2010/main" w="9525">
+                <a14:hiddenLine xmlns="" xmlns:a14="http://schemas.microsoft.com/office/drawing/2010/main" w="9525">
                   <a:solidFill>
                     <a:schemeClr val="tx1"/>
                   </a:solidFill>
@@ -9871,7 +9921,7 @@
   <p:timing>
     <p:tnLst>
       <p:par>
-        <p:cTn xmlns:p14="http://schemas.microsoft.com/office/powerpoint/2010/main" id="1" dur="indefinite" restart="never" nodeType="tmRoot"/>
+        <p:cTn id="1" dur="indefinite" restart="never" nodeType="tmRoot"/>
       </p:par>
     </p:tnLst>
   </p:timing>
@@ -10123,14 +10173,14 @@
             </a:ln>
             <a:extLst>
               <a:ext uri="{909E8E84-426E-40dd-AFC4-6F175D3DCCD1}">
-                <a14:hiddenFill xmlns:a14="http://schemas.microsoft.com/office/drawing/2010/main">
+                <a14:hiddenFill xmlns="" xmlns:a14="http://schemas.microsoft.com/office/drawing/2010/main">
                   <a:solidFill>
                     <a:schemeClr val="accent1"/>
                   </a:solidFill>
                 </a14:hiddenFill>
               </a:ext>
               <a:ext uri="{91240B29-F687-4f45-9708-019B960494DF}">
-                <a14:hiddenLine xmlns:a14="http://schemas.microsoft.com/office/drawing/2010/main" w="9525">
+                <a14:hiddenLine xmlns="" xmlns:a14="http://schemas.microsoft.com/office/drawing/2010/main" w="9525">
                   <a:solidFill>
                     <a:schemeClr val="tx1"/>
                   </a:solidFill>
@@ -10156,7 +10206,7 @@
   <p:timing>
     <p:tnLst>
       <p:par>
-        <p:cTn xmlns:p14="http://schemas.microsoft.com/office/powerpoint/2010/main" id="1" dur="indefinite" restart="never" nodeType="tmRoot"/>
+        <p:cTn id="1" dur="indefinite" restart="never" nodeType="tmRoot"/>
       </p:par>
     </p:tnLst>
   </p:timing>
@@ -10378,14 +10428,14 @@
             </a:ln>
             <a:extLst>
               <a:ext uri="{909E8E84-426E-40dd-AFC4-6F175D3DCCD1}">
-                <a14:hiddenFill xmlns:a14="http://schemas.microsoft.com/office/drawing/2010/main">
+                <a14:hiddenFill xmlns="" xmlns:a14="http://schemas.microsoft.com/office/drawing/2010/main">
                   <a:solidFill>
                     <a:schemeClr val="accent1"/>
                   </a:solidFill>
                 </a14:hiddenFill>
               </a:ext>
               <a:ext uri="{91240B29-F687-4f45-9708-019B960494DF}">
-                <a14:hiddenLine xmlns:a14="http://schemas.microsoft.com/office/drawing/2010/main" w="9525">
+                <a14:hiddenLine xmlns="" xmlns:a14="http://schemas.microsoft.com/office/drawing/2010/main" w="9525">
                   <a:solidFill>
                     <a:schemeClr val="tx1"/>
                   </a:solidFill>
@@ -10411,7 +10461,7 @@
   <p:timing>
     <p:tnLst>
       <p:par>
-        <p:cTn xmlns:p14="http://schemas.microsoft.com/office/powerpoint/2010/main" id="1" dur="indefinite" restart="never" nodeType="tmRoot"/>
+        <p:cTn id="1" dur="indefinite" restart="never" nodeType="tmRoot"/>
       </p:par>
     </p:tnLst>
   </p:timing>
@@ -10668,14 +10718,14 @@
             </a:ln>
             <a:extLst>
               <a:ext uri="{909E8E84-426E-40dd-AFC4-6F175D3DCCD1}">
-                <a14:hiddenFill xmlns:a14="http://schemas.microsoft.com/office/drawing/2010/main">
+                <a14:hiddenFill xmlns="" xmlns:a14="http://schemas.microsoft.com/office/drawing/2010/main">
                   <a:solidFill>
                     <a:schemeClr val="accent1"/>
                   </a:solidFill>
                 </a14:hiddenFill>
               </a:ext>
               <a:ext uri="{91240B29-F687-4f45-9708-019B960494DF}">
-                <a14:hiddenLine xmlns:a14="http://schemas.microsoft.com/office/drawing/2010/main" w="9525">
+                <a14:hiddenLine xmlns="" xmlns:a14="http://schemas.microsoft.com/office/drawing/2010/main" w="9525">
                   <a:solidFill>
                     <a:schemeClr val="tx1"/>
                   </a:solidFill>
@@ -10701,7 +10751,7 @@
   <p:timing>
     <p:tnLst>
       <p:par>
-        <p:cTn xmlns:p14="http://schemas.microsoft.com/office/powerpoint/2010/main" id="1" dur="indefinite" restart="never" nodeType="tmRoot"/>
+        <p:cTn id="1" dur="indefinite" restart="never" nodeType="tmRoot"/>
       </p:par>
     </p:tnLst>
   </p:timing>
@@ -10961,14 +11011,14 @@
             </a:ln>
             <a:extLst>
               <a:ext uri="{909E8E84-426E-40dd-AFC4-6F175D3DCCD1}">
-                <a14:hiddenFill xmlns:a14="http://schemas.microsoft.com/office/drawing/2010/main">
+                <a14:hiddenFill xmlns="" xmlns:a14="http://schemas.microsoft.com/office/drawing/2010/main">
                   <a:solidFill>
                     <a:schemeClr val="accent1"/>
                   </a:solidFill>
                 </a14:hiddenFill>
               </a:ext>
               <a:ext uri="{91240B29-F687-4f45-9708-019B960494DF}">
-                <a14:hiddenLine xmlns:a14="http://schemas.microsoft.com/office/drawing/2010/main" w="9525">
+                <a14:hiddenLine xmlns="" xmlns:a14="http://schemas.microsoft.com/office/drawing/2010/main" w="9525">
                   <a:solidFill>
                     <a:schemeClr val="tx1"/>
                   </a:solidFill>
@@ -10994,7 +11044,7 @@
   <p:timing>
     <p:tnLst>
       <p:par>
-        <p:cTn xmlns:p14="http://schemas.microsoft.com/office/powerpoint/2010/main" id="1" dur="indefinite" restart="never" nodeType="tmRoot"/>
+        <p:cTn id="1" dur="indefinite" restart="never" nodeType="tmRoot"/>
       </p:par>
     </p:tnLst>
   </p:timing>

--- a/Project Documentation/Cloud Box_ppt.pptx
+++ b/Project Documentation/Cloud Box_ppt.pptx
@@ -5,7 +5,7 @@
     <p:sldMasterId id="2147483924" r:id="rId1"/>
   </p:sldMasterIdLst>
   <p:notesMasterIdLst>
-    <p:notesMasterId r:id="rId17"/>
+    <p:notesMasterId r:id="rId18"/>
   </p:notesMasterIdLst>
   <p:sldIdLst>
     <p:sldId id="256" r:id="rId2"/>
@@ -22,7 +22,8 @@
     <p:sldId id="268" r:id="rId13"/>
     <p:sldId id="269" r:id="rId14"/>
     <p:sldId id="270" r:id="rId15"/>
-    <p:sldId id="273" r:id="rId16"/>
+    <p:sldId id="274" r:id="rId16"/>
+    <p:sldId id="273" r:id="rId17"/>
   </p:sldIdLst>
   <p:sldSz cx="9144000" cy="6858000" type="screen4x3"/>
   <p:notesSz cx="6858000" cy="9144000"/>
@@ -123,7 +124,7 @@
   </p:defaultTextStyle>
   <p:extLst>
     <p:ext uri="{EFAFB233-063F-42B5-8137-9DF3F51BA10A}">
-      <p15:sldGuideLst xmlns:p15="http://schemas.microsoft.com/office/powerpoint/2012/main">
+      <p15:sldGuideLst xmlns="" xmlns:p15="http://schemas.microsoft.com/office/powerpoint/2012/main">
         <p15:guide id="1" orient="horz" pos="2160">
           <p15:clr>
             <a:srgbClr val="A4A3A4"/>
@@ -143,7 +144,7 @@
 <file path=ppt/charts/chart1.xml><?xml version="1.0" encoding="utf-8"?>
 <c:chartSpace xmlns:c="http://schemas.openxmlformats.org/drawingml/2006/chart" xmlns:a="http://schemas.openxmlformats.org/drawingml/2006/main" xmlns:r="http://schemas.openxmlformats.org/officeDocument/2006/relationships">
   <c:date1904 val="0"/>
-  <c:lang val="en-US"/>
+  <c:lang val="en-CA"/>
   <c:roundedCorners val="0"/>
   <mc:AlternateContent xmlns:mc="http://schemas.openxmlformats.org/markup-compatibility/2006">
     <mc:Choice xmlns:c14="http://schemas.microsoft.com/office/drawing/2007/8/2/chart" Requires="c14">
@@ -317,8 +318,8 @@
         </c:dLbls>
         <c:gapWidth val="219"/>
         <c:overlap val="100"/>
-        <c:axId val="-997723104"/>
-        <c:axId val="-410767952"/>
+        <c:axId val="103622144"/>
+        <c:axId val="103624064"/>
       </c:barChart>
       <c:lineChart>
         <c:grouping val="standard"/>
@@ -421,11 +422,11 @@
         </c:dLbls>
         <c:marker val="1"/>
         <c:smooth val="0"/>
-        <c:axId val="-997723104"/>
-        <c:axId val="-410767952"/>
+        <c:axId val="103622144"/>
+        <c:axId val="103624064"/>
       </c:lineChart>
       <c:catAx>
-        <c:axId val="-997723104"/>
+        <c:axId val="103622144"/>
         <c:scaling>
           <c:orientation val="minMax"/>
         </c:scaling>
@@ -468,7 +469,7 @@
             <a:endParaRPr lang="en-US"/>
           </a:p>
         </c:txPr>
-        <c:crossAx val="-410767952"/>
+        <c:crossAx val="103624064"/>
         <c:crosses val="autoZero"/>
         <c:auto val="1"/>
         <c:lblAlgn val="ctr"/>
@@ -476,7 +477,7 @@
         <c:noMultiLvlLbl val="0"/>
       </c:catAx>
       <c:valAx>
-        <c:axId val="-410767952"/>
+        <c:axId val="103624064"/>
         <c:scaling>
           <c:orientation val="minMax"/>
         </c:scaling>
@@ -527,7 +528,7 @@
             <a:endParaRPr lang="en-US"/>
           </a:p>
         </c:txPr>
-        <c:crossAx val="-997723104"/>
+        <c:crossAx val="103622144"/>
         <c:crosses val="autoZero"/>
         <c:crossBetween val="between"/>
       </c:valAx>
@@ -689,7 +690,7 @@
           <a:p>
             <a:fld id="{95BF0C08-FCD6-43F3-82F6-83D8E9FE6A7C}" type="datetimeFigureOut">
               <a:rPr lang="en-US" smtClean="0"/>
-              <a:t>7/9/2014</a:t>
+              <a:t>7/14/2014</a:t>
             </a:fld>
             <a:endParaRPr lang="en-US"/>
           </a:p>
@@ -1379,7 +1380,7 @@
           <a:p>
             <a:fld id="{98F748B1-DC6F-4870-8D1C-AA1B251EDBCA}" type="datetimeFigureOut">
               <a:rPr lang="en-CA" smtClean="0"/>
-              <a:t>2014-07-09</a:t>
+              <a:t>2014-07-14</a:t>
             </a:fld>
             <a:endParaRPr lang="en-CA"/>
           </a:p>
@@ -1591,7 +1592,7 @@
           <a:p>
             <a:fld id="{98F748B1-DC6F-4870-8D1C-AA1B251EDBCA}" type="datetimeFigureOut">
               <a:rPr lang="en-CA" smtClean="0"/>
-              <a:t>2014-07-09</a:t>
+              <a:t>2014-07-14</a:t>
             </a:fld>
             <a:endParaRPr lang="en-CA"/>
           </a:p>
@@ -1778,7 +1779,7 @@
           <a:p>
             <a:fld id="{98F748B1-DC6F-4870-8D1C-AA1B251EDBCA}" type="datetimeFigureOut">
               <a:rPr lang="en-CA" smtClean="0"/>
-              <a:t>2014-07-09</a:t>
+              <a:t>2014-07-14</a:t>
             </a:fld>
             <a:endParaRPr lang="en-CA"/>
           </a:p>
@@ -1875,7 +1876,7 @@
           <a:p>
             <a:fld id="{98F748B1-DC6F-4870-8D1C-AA1B251EDBCA}" type="datetimeFigureOut">
               <a:rPr lang="en-CA" smtClean="0"/>
-              <a:t>2014-07-09</a:t>
+              <a:t>2014-07-14</a:t>
             </a:fld>
             <a:endParaRPr lang="en-CA"/>
           </a:p>
@@ -2471,7 +2472,7 @@
           <a:p>
             <a:fld id="{98F748B1-DC6F-4870-8D1C-AA1B251EDBCA}" type="datetimeFigureOut">
               <a:rPr lang="en-CA" smtClean="0"/>
-              <a:t>2014-07-09</a:t>
+              <a:t>2014-07-14</a:t>
             </a:fld>
             <a:endParaRPr lang="en-CA"/>
           </a:p>
@@ -2568,7 +2569,7 @@
           <a:p>
             <a:fld id="{98F748B1-DC6F-4870-8D1C-AA1B251EDBCA}" type="datetimeFigureOut">
               <a:rPr lang="en-CA" smtClean="0"/>
-              <a:t>2014-07-09</a:t>
+              <a:t>2014-07-14</a:t>
             </a:fld>
             <a:endParaRPr lang="en-CA"/>
           </a:p>
@@ -3173,7 +3174,7 @@
           <a:p>
             <a:fld id="{98F748B1-DC6F-4870-8D1C-AA1B251EDBCA}" type="datetimeFigureOut">
               <a:rPr lang="en-CA" smtClean="0"/>
-              <a:t>2014-07-09</a:t>
+              <a:t>2014-07-14</a:t>
             </a:fld>
             <a:endParaRPr lang="en-CA"/>
           </a:p>
@@ -3316,7 +3317,7 @@
           <a:p>
             <a:fld id="{98F748B1-DC6F-4870-8D1C-AA1B251EDBCA}" type="datetimeFigureOut">
               <a:rPr lang="en-CA" smtClean="0"/>
-              <a:t>2014-07-09</a:t>
+              <a:t>2014-07-14</a:t>
             </a:fld>
             <a:endParaRPr lang="en-CA"/>
           </a:p>
@@ -3413,7 +3414,7 @@
           <a:p>
             <a:fld id="{98F748B1-DC6F-4870-8D1C-AA1B251EDBCA}" type="datetimeFigureOut">
               <a:rPr lang="en-CA" smtClean="0"/>
-              <a:t>2014-07-09</a:t>
+              <a:t>2014-07-14</a:t>
             </a:fld>
             <a:endParaRPr lang="en-CA"/>
           </a:p>
@@ -3697,7 +3698,7 @@
           <a:p>
             <a:fld id="{98F748B1-DC6F-4870-8D1C-AA1B251EDBCA}" type="datetimeFigureOut">
               <a:rPr lang="en-CA" smtClean="0"/>
-              <a:t>2014-07-09</a:t>
+              <a:t>2014-07-14</a:t>
             </a:fld>
             <a:endParaRPr lang="en-CA"/>
           </a:p>
@@ -4219,7 +4220,7 @@
           <a:p>
             <a:fld id="{98F748B1-DC6F-4870-8D1C-AA1B251EDBCA}" type="datetimeFigureOut">
               <a:rPr lang="en-CA" smtClean="0"/>
-              <a:t>2014-07-09</a:t>
+              <a:t>2014-07-14</a:t>
             </a:fld>
             <a:endParaRPr lang="en-CA"/>
           </a:p>
@@ -4739,7 +4740,7 @@
           <a:p>
             <a:fld id="{98F748B1-DC6F-4870-8D1C-AA1B251EDBCA}" type="datetimeFigureOut">
               <a:rPr lang="en-CA" smtClean="0"/>
-              <a:t>2014-07-09</a:t>
+              <a:t>2014-07-14</a:t>
             </a:fld>
             <a:endParaRPr lang="en-CA"/>
           </a:p>
@@ -5660,7 +5661,7 @@
         </p:spPr>
         <p:txBody>
           <a:bodyPr>
-            <a:normAutofit fontScale="92500" lnSpcReduction="20000"/>
+            <a:normAutofit fontScale="92500" lnSpcReduction="10000"/>
           </a:bodyPr>
           <a:lstStyle/>
           <a:p>
@@ -5672,18 +5673,6 @@
           <a:p>
             <a:r>
               <a:rPr lang="en-CA" dirty="0"/>
-              <a:t>Communication between servers is asynchronous.</a:t>
-            </a:r>
-          </a:p>
-          <a:p>
-            <a:r>
-              <a:rPr lang="en-CA" dirty="0"/>
-              <a:t>Communication between client and server is synchronous.</a:t>
-            </a:r>
-          </a:p>
-          <a:p>
-            <a:r>
-              <a:rPr lang="en-CA" dirty="0"/>
               <a:t>Multithreading in server and single thread in client.</a:t>
             </a:r>
           </a:p>
@@ -5696,7 +5685,21 @@
           <a:p>
             <a:r>
               <a:rPr lang="en-CA" dirty="0"/>
-              <a:t>One service server communicate with all other servers for message passing and only transfer data to backup servers.</a:t>
+              <a:t>One service server communicate with all other servers for message passing </a:t>
+            </a:r>
+            <a:r>
+              <a:rPr lang="en-US" altLang="zh-CN" dirty="0"/>
+              <a:t>while </a:t>
+            </a:r>
+            <a:r>
+              <a:rPr lang="en-CA" dirty="0"/>
+              <a:t>only transfer data to backup servers.</a:t>
+            </a:r>
+          </a:p>
+          <a:p>
+            <a:r>
+              <a:rPr lang="en-CA" dirty="0"/>
+              <a:t>Request message and data transfer between client and server</a:t>
             </a:r>
           </a:p>
         </p:txBody>
@@ -5823,15 +5826,15 @@
               <a:noFill/>
             </a:ln>
             <a:extLst>
-              <a:ext uri="{909E8E84-426E-40dd-AFC4-6F175D3DCCD1}">
-                <a14:hiddenFill xmlns="" xmlns:a14="http://schemas.microsoft.com/office/drawing/2010/main">
+              <a:ext uri="{909E8E84-426E-40DD-AFC4-6F175D3DCCD1}">
+                <a14:hiddenFill xmlns:a14="http://schemas.microsoft.com/office/drawing/2010/main">
                   <a:solidFill>
                     <a:schemeClr val="accent1"/>
                   </a:solidFill>
                 </a14:hiddenFill>
               </a:ext>
-              <a:ext uri="{91240B29-F687-4f45-9708-019B960494DF}">
-                <a14:hiddenLine xmlns="" xmlns:a14="http://schemas.microsoft.com/office/drawing/2010/main" w="9525">
+              <a:ext uri="{91240B29-F687-4F45-9708-019B960494DF}">
+                <a14:hiddenLine xmlns:a14="http://schemas.microsoft.com/office/drawing/2010/main" w="9525">
                   <a:solidFill>
                     <a:schemeClr val="tx1"/>
                   </a:solidFill>
@@ -5933,29 +5936,37 @@
           <a:lstStyle/>
           <a:p>
             <a:r>
-              <a:rPr lang="en-CA" dirty="0" smtClean="0"/>
+              <a:rPr lang="en-CA" dirty="0"/>
               <a:t>Data partition &amp; incremental backup:</a:t>
             </a:r>
           </a:p>
           <a:p>
             <a:pPr lvl="1"/>
             <a:r>
-              <a:rPr lang="en-CA" dirty="0" smtClean="0"/>
+              <a:rPr lang="en-CA" dirty="0"/>
               <a:t>Divide file into fixed size of chunks</a:t>
             </a:r>
           </a:p>
           <a:p>
             <a:pPr lvl="1"/>
             <a:r>
-              <a:rPr lang="en-CA" dirty="0" smtClean="0"/>
+              <a:rPr lang="en-CA" dirty="0"/>
               <a:t>Instead of synchronize whole file, only synchronize modified chunks of data of that file</a:t>
             </a:r>
           </a:p>
           <a:p>
             <a:pPr marL="228600" lvl="1"/>
             <a:r>
-              <a:rPr lang="en-CA" sz="2200" dirty="0" smtClean="0"/>
-              <a:t>Dynamically select service server</a:t>
+              <a:rPr lang="en-US" sz="2200" dirty="0"/>
+              <a:t>B</a:t>
+            </a:r>
+            <a:r>
+              <a:rPr lang="en-CA" sz="2200" dirty="0" err="1"/>
+              <a:t>etter</a:t>
+            </a:r>
+            <a:r>
+              <a:rPr lang="en-CA" sz="2200" dirty="0"/>
+              <a:t> server selection algorithm</a:t>
             </a:r>
           </a:p>
           <a:p>
@@ -6093,15 +6104,15 @@
               <a:noFill/>
             </a:ln>
             <a:extLst>
-              <a:ext uri="{909E8E84-426E-40dd-AFC4-6F175D3DCCD1}">
-                <a14:hiddenFill xmlns="" xmlns:a14="http://schemas.microsoft.com/office/drawing/2010/main">
+              <a:ext uri="{909E8E84-426E-40DD-AFC4-6F175D3DCCD1}">
+                <a14:hiddenFill xmlns:a14="http://schemas.microsoft.com/office/drawing/2010/main">
                   <a:solidFill>
                     <a:schemeClr val="accent1"/>
                   </a:solidFill>
                 </a14:hiddenFill>
               </a:ext>
-              <a:ext uri="{91240B29-F687-4f45-9708-019B960494DF}">
-                <a14:hiddenLine xmlns="" xmlns:a14="http://schemas.microsoft.com/office/drawing/2010/main" w="9525">
+              <a:ext uri="{91240B29-F687-4F45-9708-019B960494DF}">
+                <a14:hiddenLine xmlns:a14="http://schemas.microsoft.com/office/drawing/2010/main" w="9525">
                   <a:solidFill>
                     <a:schemeClr val="tx1"/>
                   </a:solidFill>
@@ -6252,9 +6263,8 @@
             </a:pPr>
             <a:r>
               <a:rPr lang="en-CA" dirty="0" smtClean="0"/>
-              <a:t>Eclipse for Java</a:t>
-            </a:r>
-            <a:endParaRPr lang="en-CA" dirty="0" smtClean="0"/>
+              <a:t>Eclipse for Java/JAVAFX</a:t>
+            </a:r>
           </a:p>
           <a:p>
             <a:pPr>
@@ -6440,15 +6450,15 @@
               <a:noFill/>
             </a:ln>
             <a:extLst>
-              <a:ext uri="{909E8E84-426E-40dd-AFC4-6F175D3DCCD1}">
-                <a14:hiddenFill xmlns="" xmlns:a14="http://schemas.microsoft.com/office/drawing/2010/main">
+              <a:ext uri="{909E8E84-426E-40DD-AFC4-6F175D3DCCD1}">
+                <a14:hiddenFill xmlns:a14="http://schemas.microsoft.com/office/drawing/2010/main">
                   <a:solidFill>
                     <a:schemeClr val="accent1"/>
                   </a:solidFill>
                 </a14:hiddenFill>
               </a:ext>
-              <a:ext uri="{91240B29-F687-4f45-9708-019B960494DF}">
-                <a14:hiddenLine xmlns="" xmlns:a14="http://schemas.microsoft.com/office/drawing/2010/main" w="9525">
+              <a:ext uri="{91240B29-F687-4F45-9708-019B960494DF}">
+                <a14:hiddenLine xmlns:a14="http://schemas.microsoft.com/office/drawing/2010/main" w="9525">
                   <a:solidFill>
                     <a:schemeClr val="tx1"/>
                   </a:solidFill>
@@ -6605,15 +6615,15 @@
               <a:noFill/>
             </a:ln>
             <a:extLst>
-              <a:ext uri="{909E8E84-426E-40dd-AFC4-6F175D3DCCD1}">
-                <a14:hiddenFill xmlns="" xmlns:a14="http://schemas.microsoft.com/office/drawing/2010/main">
+              <a:ext uri="{909E8E84-426E-40DD-AFC4-6F175D3DCCD1}">
+                <a14:hiddenFill xmlns:a14="http://schemas.microsoft.com/office/drawing/2010/main">
                   <a:solidFill>
                     <a:schemeClr val="accent1"/>
                   </a:solidFill>
                 </a14:hiddenFill>
               </a:ext>
-              <a:ext uri="{91240B29-F687-4f45-9708-019B960494DF}">
-                <a14:hiddenLine xmlns="" xmlns:a14="http://schemas.microsoft.com/office/drawing/2010/main" w="9525">
+              <a:ext uri="{91240B29-F687-4F45-9708-019B960494DF}">
+                <a14:hiddenLine xmlns:a14="http://schemas.microsoft.com/office/drawing/2010/main" w="9525">
                   <a:solidFill>
                     <a:schemeClr val="tx1"/>
                   </a:solidFill>
@@ -6657,15 +6667,15 @@
               <a:noFill/>
             </a:ln>
             <a:extLst>
-              <a:ext uri="{909E8E84-426E-40dd-AFC4-6F175D3DCCD1}">
-                <a14:hiddenFill xmlns="" xmlns:a14="http://schemas.microsoft.com/office/drawing/2010/main">
+              <a:ext uri="{909E8E84-426E-40DD-AFC4-6F175D3DCCD1}">
+                <a14:hiddenFill xmlns:a14="http://schemas.microsoft.com/office/drawing/2010/main">
                   <a:solidFill>
                     <a:schemeClr val="accent1"/>
                   </a:solidFill>
                 </a14:hiddenFill>
               </a:ext>
-              <a:ext uri="{91240B29-F687-4f45-9708-019B960494DF}">
-                <a14:hiddenLine xmlns="" xmlns:a14="http://schemas.microsoft.com/office/drawing/2010/main" w="9525">
+              <a:ext uri="{91240B29-F687-4F45-9708-019B960494DF}">
+                <a14:hiddenLine xmlns:a14="http://schemas.microsoft.com/office/drawing/2010/main" w="9525">
                   <a:solidFill>
                     <a:schemeClr val="tx1"/>
                   </a:solidFill>
@@ -6800,15 +6810,15 @@
               <a:noFill/>
             </a:ln>
             <a:extLst>
-              <a:ext uri="{909E8E84-426E-40dd-AFC4-6F175D3DCCD1}">
-                <a14:hiddenFill xmlns="" xmlns:a14="http://schemas.microsoft.com/office/drawing/2010/main">
+              <a:ext uri="{909E8E84-426E-40DD-AFC4-6F175D3DCCD1}">
+                <a14:hiddenFill xmlns:a14="http://schemas.microsoft.com/office/drawing/2010/main">
                   <a:solidFill>
                     <a:schemeClr val="accent1"/>
                   </a:solidFill>
                 </a14:hiddenFill>
               </a:ext>
-              <a:ext uri="{91240B29-F687-4f45-9708-019B960494DF}">
-                <a14:hiddenLine xmlns="" xmlns:a14="http://schemas.microsoft.com/office/drawing/2010/main" w="9525">
+              <a:ext uri="{91240B29-F687-4F45-9708-019B960494DF}">
+                <a14:hiddenLine xmlns:a14="http://schemas.microsoft.com/office/drawing/2010/main" w="9525">
                   <a:solidFill>
                     <a:schemeClr val="tx1"/>
                   </a:solidFill>
@@ -8340,15 +8350,15 @@
           </a:ln>
           <a:effectLst/>
           <a:extLst>
-            <a:ext uri="{909E8E84-426E-40dd-AFC4-6F175D3DCCD1}">
-              <a14:hiddenFill xmlns="" xmlns:a14="http://schemas.microsoft.com/office/drawing/2010/main">
+            <a:ext uri="{909E8E84-426E-40DD-AFC4-6F175D3DCCD1}">
+              <a14:hiddenFill xmlns:a14="http://schemas.microsoft.com/office/drawing/2010/main">
                 <a:solidFill>
                   <a:schemeClr val="accent1"/>
                 </a:solidFill>
               </a14:hiddenFill>
             </a:ext>
-            <a:ext uri="{91240B29-F687-4f45-9708-019B960494DF}">
-              <a14:hiddenLine xmlns="" xmlns:a14="http://schemas.microsoft.com/office/drawing/2010/main" w="9525">
+            <a:ext uri="{91240B29-F687-4F45-9708-019B960494DF}">
+              <a14:hiddenLine xmlns:a14="http://schemas.microsoft.com/office/drawing/2010/main" w="9525">
                 <a:solidFill>
                   <a:schemeClr val="tx1"/>
                 </a:solidFill>
@@ -8357,8 +8367,8 @@
                 <a:tailEnd/>
               </a14:hiddenLine>
             </a:ext>
-            <a:ext uri="{AF507438-7753-43e0-B8FC-AC1667EBCBE1}">
-              <a14:hiddenEffects xmlns="" xmlns:a14="http://schemas.microsoft.com/office/drawing/2010/main">
+            <a:ext uri="{AF507438-7753-43E0-B8FC-AC1667EBCBE1}">
+              <a14:hiddenEffects xmlns:a14="http://schemas.microsoft.com/office/drawing/2010/main">
                 <a:effectLst>
                   <a:outerShdw dist="35921" dir="2700000" algn="ctr" rotWithShape="0">
                     <a:schemeClr val="bg2"/>
@@ -8529,15 +8539,15 @@
               <a:noFill/>
             </a:ln>
             <a:extLst>
-              <a:ext uri="{909E8E84-426E-40dd-AFC4-6F175D3DCCD1}">
-                <a14:hiddenFill xmlns="" xmlns:a14="http://schemas.microsoft.com/office/drawing/2010/main">
+              <a:ext uri="{909E8E84-426E-40DD-AFC4-6F175D3DCCD1}">
+                <a14:hiddenFill xmlns:a14="http://schemas.microsoft.com/office/drawing/2010/main">
                   <a:solidFill>
                     <a:schemeClr val="accent1"/>
                   </a:solidFill>
                 </a14:hiddenFill>
               </a:ext>
-              <a:ext uri="{91240B29-F687-4f45-9708-019B960494DF}">
-                <a14:hiddenLine xmlns="" xmlns:a14="http://schemas.microsoft.com/office/drawing/2010/main" w="9525">
+              <a:ext uri="{91240B29-F687-4F45-9708-019B960494DF}">
+                <a14:hiddenLine xmlns:a14="http://schemas.microsoft.com/office/drawing/2010/main" w="9525">
                   <a:solidFill>
                     <a:schemeClr val="tx1"/>
                   </a:solidFill>
@@ -8599,6 +8609,74 @@
         </p:nvSpPr>
         <p:spPr>
           <a:xfrm>
+            <a:off x="1918320" y="2636912"/>
+            <a:ext cx="3661792" cy="1143000"/>
+          </a:xfrm>
+        </p:spPr>
+        <p:txBody>
+          <a:bodyPr/>
+          <a:lstStyle/>
+          <a:p>
+            <a:pPr marL="0" indent="0">
+              <a:buNone/>
+            </a:pPr>
+            <a:r>
+              <a:rPr lang="en-CA" dirty="0" smtClean="0"/>
+              <a:t>Demo</a:t>
+            </a:r>
+            <a:endParaRPr lang="en-CA" dirty="0"/>
+          </a:p>
+        </p:txBody>
+      </p:sp>
+    </p:spTree>
+    <p:extLst>
+      <p:ext uri="{BB962C8B-B14F-4D97-AF65-F5344CB8AC3E}">
+        <p14:creationId xmlns:p14="http://schemas.microsoft.com/office/powerpoint/2010/main" val="354285818"/>
+      </p:ext>
+    </p:extLst>
+  </p:cSld>
+  <p:clrMapOvr>
+    <a:masterClrMapping/>
+  </p:clrMapOvr>
+  <p:timing>
+    <p:tnLst>
+      <p:par>
+        <p:cTn id="1" dur="indefinite" restart="never" nodeType="tmRoot"/>
+      </p:par>
+    </p:tnLst>
+  </p:timing>
+</p:sld>
+</file>
+
+<file path=ppt/slides/slide16.xml><?xml version="1.0" encoding="utf-8"?>
+<p:sld xmlns:a="http://schemas.openxmlformats.org/drawingml/2006/main" xmlns:r="http://schemas.openxmlformats.org/officeDocument/2006/relationships" xmlns:p="http://schemas.openxmlformats.org/presentationml/2006/main">
+  <p:cSld>
+    <p:spTree>
+      <p:nvGrpSpPr>
+        <p:cNvPr id="1" name=""/>
+        <p:cNvGrpSpPr/>
+        <p:nvPr/>
+      </p:nvGrpSpPr>
+      <p:grpSpPr>
+        <a:xfrm>
+          <a:off x="0" y="0"/>
+          <a:ext cx="0" cy="0"/>
+          <a:chOff x="0" y="0"/>
+          <a:chExt cx="0" cy="0"/>
+        </a:xfrm>
+      </p:grpSpPr>
+      <p:sp>
+        <p:nvSpPr>
+          <p:cNvPr id="2" name="Title 1"/>
+          <p:cNvSpPr>
+            <a:spLocks noGrp="1"/>
+          </p:cNvSpPr>
+          <p:nvPr>
+            <p:ph type="title"/>
+          </p:nvPr>
+        </p:nvSpPr>
+        <p:spPr>
+          <a:xfrm>
             <a:off x="2483768" y="2492896"/>
             <a:ext cx="3416167" cy="1143000"/>
           </a:xfrm>
@@ -8628,6 +8706,13 @@
   <p:clrMapOvr>
     <a:masterClrMapping/>
   </p:clrMapOvr>
+  <p:timing>
+    <p:tnLst>
+      <p:par>
+        <p:cTn id="1" dur="indefinite" restart="never" nodeType="tmRoot"/>
+      </p:par>
+    </p:tnLst>
+  </p:timing>
 </p:sld>
 </file>
 
@@ -8864,15 +8949,15 @@
               <a:noFill/>
             </a:ln>
             <a:extLst>
-              <a:ext uri="{909E8E84-426E-40dd-AFC4-6F175D3DCCD1}">
-                <a14:hiddenFill xmlns="" xmlns:a14="http://schemas.microsoft.com/office/drawing/2010/main">
+              <a:ext uri="{909E8E84-426E-40DD-AFC4-6F175D3DCCD1}">
+                <a14:hiddenFill xmlns:a14="http://schemas.microsoft.com/office/drawing/2010/main">
                   <a:solidFill>
                     <a:schemeClr val="accent1"/>
                   </a:solidFill>
                 </a14:hiddenFill>
               </a:ext>
-              <a:ext uri="{91240B29-F687-4f45-9708-019B960494DF}">
-                <a14:hiddenLine xmlns="" xmlns:a14="http://schemas.microsoft.com/office/drawing/2010/main" w="9525">
+              <a:ext uri="{91240B29-F687-4F45-9708-019B960494DF}">
+                <a14:hiddenLine xmlns:a14="http://schemas.microsoft.com/office/drawing/2010/main" w="9525">
                   <a:solidFill>
                     <a:schemeClr val="tx1"/>
                   </a:solidFill>
@@ -9212,15 +9297,15 @@
               <a:noFill/>
             </a:ln>
             <a:extLst>
-              <a:ext uri="{909E8E84-426E-40dd-AFC4-6F175D3DCCD1}">
-                <a14:hiddenFill xmlns="" xmlns:a14="http://schemas.microsoft.com/office/drawing/2010/main">
+              <a:ext uri="{909E8E84-426E-40DD-AFC4-6F175D3DCCD1}">
+                <a14:hiddenFill xmlns:a14="http://schemas.microsoft.com/office/drawing/2010/main">
                   <a:solidFill>
                     <a:schemeClr val="accent1"/>
                   </a:solidFill>
                 </a14:hiddenFill>
               </a:ext>
-              <a:ext uri="{91240B29-F687-4f45-9708-019B960494DF}">
-                <a14:hiddenLine xmlns="" xmlns:a14="http://schemas.microsoft.com/office/drawing/2010/main" w="9525">
+              <a:ext uri="{91240B29-F687-4F45-9708-019B960494DF}">
+                <a14:hiddenLine xmlns:a14="http://schemas.microsoft.com/office/drawing/2010/main" w="9525">
                   <a:solidFill>
                     <a:schemeClr val="tx1"/>
                   </a:solidFill>
@@ -9392,15 +9477,15 @@
           </a:ln>
           <a:effectLst/>
           <a:extLst>
-            <a:ext uri="{909E8E84-426E-40dd-AFC4-6F175D3DCCD1}">
-              <a14:hiddenFill xmlns="" xmlns:a14="http://schemas.microsoft.com/office/drawing/2010/main">
+            <a:ext uri="{909E8E84-426E-40DD-AFC4-6F175D3DCCD1}">
+              <a14:hiddenFill xmlns:a14="http://schemas.microsoft.com/office/drawing/2010/main">
                 <a:solidFill>
                   <a:schemeClr val="accent1"/>
                 </a:solidFill>
               </a14:hiddenFill>
             </a:ext>
-            <a:ext uri="{91240B29-F687-4f45-9708-019B960494DF}">
-              <a14:hiddenLine xmlns="" xmlns:a14="http://schemas.microsoft.com/office/drawing/2010/main" w="9525">
+            <a:ext uri="{91240B29-F687-4F45-9708-019B960494DF}">
+              <a14:hiddenLine xmlns:a14="http://schemas.microsoft.com/office/drawing/2010/main" w="9525">
                 <a:solidFill>
                   <a:schemeClr val="tx1"/>
                 </a:solidFill>
@@ -9409,8 +9494,8 @@
                 <a:tailEnd/>
               </a14:hiddenLine>
             </a:ext>
-            <a:ext uri="{AF507438-7753-43e0-B8FC-AC1667EBCBE1}">
-              <a14:hiddenEffects xmlns="" xmlns:a14="http://schemas.microsoft.com/office/drawing/2010/main">
+            <a:ext uri="{AF507438-7753-43E0-B8FC-AC1667EBCBE1}">
+              <a14:hiddenEffects xmlns:a14="http://schemas.microsoft.com/office/drawing/2010/main">
                 <a:effectLst>
                   <a:outerShdw dist="35921" dir="2700000" algn="ctr" rotWithShape="0">
                     <a:schemeClr val="bg2"/>
@@ -9543,15 +9628,15 @@
               <a:noFill/>
             </a:ln>
             <a:extLst>
-              <a:ext uri="{909E8E84-426E-40dd-AFC4-6F175D3DCCD1}">
-                <a14:hiddenFill xmlns="" xmlns:a14="http://schemas.microsoft.com/office/drawing/2010/main">
+              <a:ext uri="{909E8E84-426E-40DD-AFC4-6F175D3DCCD1}">
+                <a14:hiddenFill xmlns:a14="http://schemas.microsoft.com/office/drawing/2010/main">
                   <a:solidFill>
                     <a:schemeClr val="accent1"/>
                   </a:solidFill>
                 </a14:hiddenFill>
               </a:ext>
-              <a:ext uri="{91240B29-F687-4f45-9708-019B960494DF}">
-                <a14:hiddenLine xmlns="" xmlns:a14="http://schemas.microsoft.com/office/drawing/2010/main" w="9525">
+              <a:ext uri="{91240B29-F687-4F45-9708-019B960494DF}">
+                <a14:hiddenLine xmlns:a14="http://schemas.microsoft.com/office/drawing/2010/main" w="9525">
                   <a:solidFill>
                     <a:schemeClr val="tx1"/>
                   </a:solidFill>
@@ -9736,15 +9821,15 @@
           </a:ln>
           <a:effectLst/>
           <a:extLst>
-            <a:ext uri="{909E8E84-426E-40dd-AFC4-6F175D3DCCD1}">
-              <a14:hiddenFill xmlns="" xmlns:a14="http://schemas.microsoft.com/office/drawing/2010/main">
+            <a:ext uri="{909E8E84-426E-40DD-AFC4-6F175D3DCCD1}">
+              <a14:hiddenFill xmlns:a14="http://schemas.microsoft.com/office/drawing/2010/main">
                 <a:solidFill>
                   <a:schemeClr val="accent1"/>
                 </a:solidFill>
               </a14:hiddenFill>
             </a:ext>
-            <a:ext uri="{91240B29-F687-4f45-9708-019B960494DF}">
-              <a14:hiddenLine xmlns="" xmlns:a14="http://schemas.microsoft.com/office/drawing/2010/main" w="9525">
+            <a:ext uri="{91240B29-F687-4F45-9708-019B960494DF}">
+              <a14:hiddenLine xmlns:a14="http://schemas.microsoft.com/office/drawing/2010/main" w="9525">
                 <a:solidFill>
                   <a:schemeClr val="tx1"/>
                 </a:solidFill>
@@ -9753,8 +9838,8 @@
                 <a:tailEnd/>
               </a14:hiddenLine>
             </a:ext>
-            <a:ext uri="{AF507438-7753-43e0-B8FC-AC1667EBCBE1}">
-              <a14:hiddenEffects xmlns="" xmlns:a14="http://schemas.microsoft.com/office/drawing/2010/main">
+            <a:ext uri="{AF507438-7753-43E0-B8FC-AC1667EBCBE1}">
+              <a14:hiddenEffects xmlns:a14="http://schemas.microsoft.com/office/drawing/2010/main">
                 <a:effectLst>
                   <a:outerShdw dist="35921" dir="2700000" algn="ctr" rotWithShape="0">
                     <a:schemeClr val="bg2"/>
@@ -9887,15 +9972,15 @@
               <a:noFill/>
             </a:ln>
             <a:extLst>
-              <a:ext uri="{909E8E84-426E-40dd-AFC4-6F175D3DCCD1}">
-                <a14:hiddenFill xmlns="" xmlns:a14="http://schemas.microsoft.com/office/drawing/2010/main">
+              <a:ext uri="{909E8E84-426E-40DD-AFC4-6F175D3DCCD1}">
+                <a14:hiddenFill xmlns:a14="http://schemas.microsoft.com/office/drawing/2010/main">
                   <a:solidFill>
                     <a:schemeClr val="accent1"/>
                   </a:solidFill>
                 </a14:hiddenFill>
               </a:ext>
-              <a:ext uri="{91240B29-F687-4f45-9708-019B960494DF}">
-                <a14:hiddenLine xmlns="" xmlns:a14="http://schemas.microsoft.com/office/drawing/2010/main" w="9525">
+              <a:ext uri="{91240B29-F687-4F45-9708-019B960494DF}">
+                <a14:hiddenLine xmlns:a14="http://schemas.microsoft.com/office/drawing/2010/main" w="9525">
                   <a:solidFill>
                     <a:schemeClr val="tx1"/>
                   </a:solidFill>
@@ -10172,15 +10257,15 @@
               <a:noFill/>
             </a:ln>
             <a:extLst>
-              <a:ext uri="{909E8E84-426E-40dd-AFC4-6F175D3DCCD1}">
-                <a14:hiddenFill xmlns="" xmlns:a14="http://schemas.microsoft.com/office/drawing/2010/main">
+              <a:ext uri="{909E8E84-426E-40DD-AFC4-6F175D3DCCD1}">
+                <a14:hiddenFill xmlns:a14="http://schemas.microsoft.com/office/drawing/2010/main">
                   <a:solidFill>
                     <a:schemeClr val="accent1"/>
                   </a:solidFill>
                 </a14:hiddenFill>
               </a:ext>
-              <a:ext uri="{91240B29-F687-4f45-9708-019B960494DF}">
-                <a14:hiddenLine xmlns="" xmlns:a14="http://schemas.microsoft.com/office/drawing/2010/main" w="9525">
+              <a:ext uri="{91240B29-F687-4F45-9708-019B960494DF}">
+                <a14:hiddenLine xmlns:a14="http://schemas.microsoft.com/office/drawing/2010/main" w="9525">
                   <a:solidFill>
                     <a:schemeClr val="tx1"/>
                   </a:solidFill>
@@ -10427,15 +10512,15 @@
               <a:noFill/>
             </a:ln>
             <a:extLst>
-              <a:ext uri="{909E8E84-426E-40dd-AFC4-6F175D3DCCD1}">
-                <a14:hiddenFill xmlns="" xmlns:a14="http://schemas.microsoft.com/office/drawing/2010/main">
+              <a:ext uri="{909E8E84-426E-40DD-AFC4-6F175D3DCCD1}">
+                <a14:hiddenFill xmlns:a14="http://schemas.microsoft.com/office/drawing/2010/main">
                   <a:solidFill>
                     <a:schemeClr val="accent1"/>
                   </a:solidFill>
                 </a14:hiddenFill>
               </a:ext>
-              <a:ext uri="{91240B29-F687-4f45-9708-019B960494DF}">
-                <a14:hiddenLine xmlns="" xmlns:a14="http://schemas.microsoft.com/office/drawing/2010/main" w="9525">
+              <a:ext uri="{91240B29-F687-4F45-9708-019B960494DF}">
+                <a14:hiddenLine xmlns:a14="http://schemas.microsoft.com/office/drawing/2010/main" w="9525">
                   <a:solidFill>
                     <a:schemeClr val="tx1"/>
                   </a:solidFill>
@@ -10717,15 +10802,15 @@
               <a:noFill/>
             </a:ln>
             <a:extLst>
-              <a:ext uri="{909E8E84-426E-40dd-AFC4-6F175D3DCCD1}">
-                <a14:hiddenFill xmlns="" xmlns:a14="http://schemas.microsoft.com/office/drawing/2010/main">
+              <a:ext uri="{909E8E84-426E-40DD-AFC4-6F175D3DCCD1}">
+                <a14:hiddenFill xmlns:a14="http://schemas.microsoft.com/office/drawing/2010/main">
                   <a:solidFill>
                     <a:schemeClr val="accent1"/>
                   </a:solidFill>
                 </a14:hiddenFill>
               </a:ext>
-              <a:ext uri="{91240B29-F687-4f45-9708-019B960494DF}">
-                <a14:hiddenLine xmlns="" xmlns:a14="http://schemas.microsoft.com/office/drawing/2010/main" w="9525">
+              <a:ext uri="{91240B29-F687-4F45-9708-019B960494DF}">
+                <a14:hiddenLine xmlns:a14="http://schemas.microsoft.com/office/drawing/2010/main" w="9525">
                   <a:solidFill>
                     <a:schemeClr val="tx1"/>
                   </a:solidFill>
@@ -11010,15 +11095,15 @@
               <a:noFill/>
             </a:ln>
             <a:extLst>
-              <a:ext uri="{909E8E84-426E-40dd-AFC4-6F175D3DCCD1}">
-                <a14:hiddenFill xmlns="" xmlns:a14="http://schemas.microsoft.com/office/drawing/2010/main">
+              <a:ext uri="{909E8E84-426E-40DD-AFC4-6F175D3DCCD1}">
+                <a14:hiddenFill xmlns:a14="http://schemas.microsoft.com/office/drawing/2010/main">
                   <a:solidFill>
                     <a:schemeClr val="accent1"/>
                   </a:solidFill>
                 </a14:hiddenFill>
               </a:ext>
-              <a:ext uri="{91240B29-F687-4f45-9708-019B960494DF}">
-                <a14:hiddenLine xmlns="" xmlns:a14="http://schemas.microsoft.com/office/drawing/2010/main" w="9525">
+              <a:ext uri="{91240B29-F687-4F45-9708-019B960494DF}">
+                <a14:hiddenLine xmlns:a14="http://schemas.microsoft.com/office/drawing/2010/main" w="9525">
                   <a:solidFill>
                     <a:schemeClr val="tx1"/>
                   </a:solidFill>
